--- a/mooc/WHY_.pptx
+++ b/mooc/WHY_.pptx
@@ -8,8 +8,8 @@
     <p:notesMasterId r:id="rId8"/>
   </p:notesMasterIdLst>
   <p:sldIdLst>
-    <p:sldId id="256" r:id="rId2"/>
-    <p:sldId id="257" r:id="rId3"/>
+    <p:sldId id="257" r:id="rId2"/>
+    <p:sldId id="256" r:id="rId3"/>
     <p:sldId id="258" r:id="rId4"/>
     <p:sldId id="259" r:id="rId5"/>
     <p:sldId id="261" r:id="rId6"/>
@@ -725,110 +725,6 @@
   <p:cSld>
     <p:spTree>
       <p:nvGrpSpPr>
-        <p:cNvPr id="1" name="Shape 273"/>
-        <p:cNvGrpSpPr/>
-        <p:nvPr/>
-      </p:nvGrpSpPr>
-      <p:grpSpPr>
-        <a:xfrm>
-          <a:off x="0" y="0"/>
-          <a:ext cx="0" cy="0"/>
-          <a:chOff x="0" y="0"/>
-          <a:chExt cx="0" cy="0"/>
-        </a:xfrm>
-      </p:grpSpPr>
-      <p:sp>
-        <p:nvSpPr>
-          <p:cNvPr id="274" name="Google Shape;274;p:notes"/>
-          <p:cNvSpPr>
-            <a:spLocks noGrp="1" noRot="1" noChangeAspect="1"/>
-          </p:cNvSpPr>
-          <p:nvPr>
-            <p:ph type="sldImg" idx="2"/>
-          </p:nvPr>
-        </p:nvSpPr>
-        <p:spPr>
-          <a:xfrm>
-            <a:off x="381300" y="685800"/>
-            <a:ext cx="6096075" cy="3429000"/>
-          </a:xfrm>
-          <a:custGeom>
-            <a:avLst/>
-            <a:gdLst/>
-            <a:ahLst/>
-            <a:cxnLst/>
-            <a:rect l="l" t="t" r="r" b="b"/>
-            <a:pathLst>
-              <a:path w="120000" h="120000" extrusionOk="0">
-                <a:moveTo>
-                  <a:pt x="0" y="0"/>
-                </a:moveTo>
-                <a:lnTo>
-                  <a:pt x="120000" y="0"/>
-                </a:lnTo>
-                <a:lnTo>
-                  <a:pt x="120000" y="120000"/>
-                </a:lnTo>
-                <a:lnTo>
-                  <a:pt x="0" y="120000"/>
-                </a:lnTo>
-                <a:close/>
-              </a:path>
-            </a:pathLst>
-          </a:custGeom>
-        </p:spPr>
-      </p:sp>
-      <p:sp>
-        <p:nvSpPr>
-          <p:cNvPr id="275" name="Google Shape;275;p:notes"/>
-          <p:cNvSpPr txBox="1">
-            <a:spLocks noGrp="1"/>
-          </p:cNvSpPr>
-          <p:nvPr>
-            <p:ph type="body" idx="1"/>
-          </p:nvPr>
-        </p:nvSpPr>
-        <p:spPr>
-          <a:xfrm>
-            <a:off x="685800" y="4343400"/>
-            <a:ext cx="5486400" cy="4114800"/>
-          </a:xfrm>
-          <a:prstGeom prst="rect">
-            <a:avLst/>
-          </a:prstGeom>
-        </p:spPr>
-        <p:txBody>
-          <a:bodyPr spcFirstLastPara="1" wrap="square" lIns="91425" tIns="91425" rIns="91425" bIns="91425" anchor="t" anchorCtr="0">
-            <a:noAutofit/>
-          </a:bodyPr>
-          <a:lstStyle/>
-          <a:p>
-            <a:pPr marL="0" lvl="0" indent="0" algn="l" rtl="0">
-              <a:spcBef>
-                <a:spcPts val="0"/>
-              </a:spcBef>
-              <a:spcAft>
-                <a:spcPts val="0"/>
-              </a:spcAft>
-              <a:buNone/>
-            </a:pPr>
-            <a:endParaRPr/>
-          </a:p>
-        </p:txBody>
-      </p:sp>
-    </p:spTree>
-  </p:cSld>
-  <p:clrMapOvr>
-    <a:masterClrMapping/>
-  </p:clrMapOvr>
-</p:notes>
-</file>
-
-<file path=ppt/notesSlides/notesSlide2.xml><?xml version="1.0" encoding="utf-8"?>
-<p:notes xmlns:a="http://schemas.openxmlformats.org/drawingml/2006/main" xmlns:r="http://schemas.openxmlformats.org/officeDocument/2006/relationships" xmlns:p="http://schemas.openxmlformats.org/presentationml/2006/main" showMasterSp="0" showMasterPhAnim="0">
-  <p:cSld>
-    <p:spTree>
-      <p:nvGrpSpPr>
         <p:cNvPr id="1" name="Shape 278"/>
         <p:cNvGrpSpPr/>
         <p:nvPr/>
@@ -853,7 +749,7 @@
         </p:nvSpPr>
         <p:spPr>
           <a:xfrm>
-            <a:off x="381300" y="685800"/>
+            <a:off x="381000" y="685800"/>
             <a:ext cx="6096000" cy="3429000"/>
           </a:xfrm>
           <a:custGeom>
@@ -885,6 +781,110 @@
       <p:sp>
         <p:nvSpPr>
           <p:cNvPr id="280" name="Google Shape;280;g2611666b7f6_0_190:notes"/>
+          <p:cNvSpPr txBox="1">
+            <a:spLocks noGrp="1"/>
+          </p:cNvSpPr>
+          <p:nvPr>
+            <p:ph type="body" idx="1"/>
+          </p:nvPr>
+        </p:nvSpPr>
+        <p:spPr>
+          <a:xfrm>
+            <a:off x="685800" y="4343400"/>
+            <a:ext cx="5486400" cy="4114800"/>
+          </a:xfrm>
+          <a:prstGeom prst="rect">
+            <a:avLst/>
+          </a:prstGeom>
+        </p:spPr>
+        <p:txBody>
+          <a:bodyPr spcFirstLastPara="1" wrap="square" lIns="91425" tIns="91425" rIns="91425" bIns="91425" anchor="t" anchorCtr="0">
+            <a:noAutofit/>
+          </a:bodyPr>
+          <a:lstStyle/>
+          <a:p>
+            <a:pPr marL="0" lvl="0" indent="0" algn="l" rtl="0">
+              <a:spcBef>
+                <a:spcPts val="0"/>
+              </a:spcBef>
+              <a:spcAft>
+                <a:spcPts val="0"/>
+              </a:spcAft>
+              <a:buNone/>
+            </a:pPr>
+            <a:endParaRPr/>
+          </a:p>
+        </p:txBody>
+      </p:sp>
+    </p:spTree>
+  </p:cSld>
+  <p:clrMapOvr>
+    <a:masterClrMapping/>
+  </p:clrMapOvr>
+</p:notes>
+</file>
+
+<file path=ppt/notesSlides/notesSlide2.xml><?xml version="1.0" encoding="utf-8"?>
+<p:notes xmlns:a="http://schemas.openxmlformats.org/drawingml/2006/main" xmlns:r="http://schemas.openxmlformats.org/officeDocument/2006/relationships" xmlns:p="http://schemas.openxmlformats.org/presentationml/2006/main" showMasterSp="0" showMasterPhAnim="0">
+  <p:cSld>
+    <p:spTree>
+      <p:nvGrpSpPr>
+        <p:cNvPr id="1" name="Shape 273"/>
+        <p:cNvGrpSpPr/>
+        <p:nvPr/>
+      </p:nvGrpSpPr>
+      <p:grpSpPr>
+        <a:xfrm>
+          <a:off x="0" y="0"/>
+          <a:ext cx="0" cy="0"/>
+          <a:chOff x="0" y="0"/>
+          <a:chExt cx="0" cy="0"/>
+        </a:xfrm>
+      </p:grpSpPr>
+      <p:sp>
+        <p:nvSpPr>
+          <p:cNvPr id="274" name="Google Shape;274;p:notes"/>
+          <p:cNvSpPr>
+            <a:spLocks noGrp="1" noRot="1" noChangeAspect="1"/>
+          </p:cNvSpPr>
+          <p:nvPr>
+            <p:ph type="sldImg" idx="2"/>
+          </p:nvPr>
+        </p:nvSpPr>
+        <p:spPr>
+          <a:xfrm>
+            <a:off x="381000" y="685800"/>
+            <a:ext cx="6096000" cy="3429000"/>
+          </a:xfrm>
+          <a:custGeom>
+            <a:avLst/>
+            <a:gdLst/>
+            <a:ahLst/>
+            <a:cxnLst/>
+            <a:rect l="l" t="t" r="r" b="b"/>
+            <a:pathLst>
+              <a:path w="120000" h="120000" extrusionOk="0">
+                <a:moveTo>
+                  <a:pt x="0" y="0"/>
+                </a:moveTo>
+                <a:lnTo>
+                  <a:pt x="120000" y="0"/>
+                </a:lnTo>
+                <a:lnTo>
+                  <a:pt x="120000" y="120000"/>
+                </a:lnTo>
+                <a:lnTo>
+                  <a:pt x="0" y="120000"/>
+                </a:lnTo>
+                <a:close/>
+              </a:path>
+            </a:pathLst>
+          </a:custGeom>
+        </p:spPr>
+      </p:sp>
+      <p:sp>
+        <p:nvSpPr>
+          <p:cNvPr id="275" name="Google Shape;275;p:notes"/>
           <p:cNvSpPr txBox="1">
             <a:spLocks noGrp="1"/>
           </p:cNvSpPr>
@@ -15214,77 +15214,6 @@
   <p:cSld>
     <p:spTree>
       <p:nvGrpSpPr>
-        <p:cNvPr id="1" name="Shape 276"/>
-        <p:cNvGrpSpPr/>
-        <p:nvPr/>
-      </p:nvGrpSpPr>
-      <p:grpSpPr>
-        <a:xfrm>
-          <a:off x="0" y="0"/>
-          <a:ext cx="0" cy="0"/>
-          <a:chOff x="0" y="0"/>
-          <a:chExt cx="0" cy="0"/>
-        </a:xfrm>
-      </p:grpSpPr>
-      <p:sp>
-        <p:nvSpPr>
-          <p:cNvPr id="277" name="Google Shape;277;p13"/>
-          <p:cNvSpPr txBox="1">
-            <a:spLocks noGrp="1"/>
-          </p:cNvSpPr>
-          <p:nvPr>
-            <p:ph type="ctrTitle"/>
-          </p:nvPr>
-        </p:nvSpPr>
-        <p:spPr>
-          <a:xfrm>
-            <a:off x="2729550" y="1456150"/>
-            <a:ext cx="4081500" cy="1466400"/>
-          </a:xfrm>
-          <a:prstGeom prst="rect">
-            <a:avLst/>
-          </a:prstGeom>
-        </p:spPr>
-        <p:txBody>
-          <a:bodyPr spcFirstLastPara="1" wrap="square" lIns="91425" tIns="91425" rIns="91425" bIns="91425" anchor="ctr" anchorCtr="0">
-            <a:normAutofit fontScale="90000"/>
-          </a:bodyPr>
-          <a:lstStyle/>
-          <a:p>
-            <a:pPr marL="0" lvl="0" indent="0" algn="l" rtl="0">
-              <a:spcBef>
-                <a:spcPts val="0"/>
-              </a:spcBef>
-              <a:spcAft>
-                <a:spcPts val="0"/>
-              </a:spcAft>
-              <a:buNone/>
-            </a:pPr>
-            <a:r>
-              <a:rPr lang="en" sz="10688"/>
-              <a:t>WHY</a:t>
-            </a:r>
-            <a:r>
-              <a:rPr lang="en" sz="10650"/>
-              <a:t>?</a:t>
-            </a:r>
-            <a:endParaRPr sz="10650"/>
-          </a:p>
-        </p:txBody>
-      </p:sp>
-    </p:spTree>
-  </p:cSld>
-  <p:clrMapOvr>
-    <a:masterClrMapping/>
-  </p:clrMapOvr>
-</p:sld>
-</file>
-
-<file path=ppt/slides/slide2.xml><?xml version="1.0" encoding="utf-8"?>
-<p:sld xmlns:a="http://schemas.openxmlformats.org/drawingml/2006/main" xmlns:r="http://schemas.openxmlformats.org/officeDocument/2006/relationships" xmlns:p="http://schemas.openxmlformats.org/presentationml/2006/main">
-  <p:cSld>
-    <p:spTree>
-      <p:nvGrpSpPr>
         <p:cNvPr id="1" name="Shape 281"/>
         <p:cNvGrpSpPr/>
         <p:nvPr/>
@@ -15336,6 +15265,84 @@
               <a:t>What does it do?</a:t>
             </a:r>
             <a:endParaRPr sz="8500"/>
+          </a:p>
+        </p:txBody>
+      </p:sp>
+    </p:spTree>
+  </p:cSld>
+  <p:clrMapOvr>
+    <a:masterClrMapping/>
+  </p:clrMapOvr>
+</p:sld>
+</file>
+
+<file path=ppt/slides/slide2.xml><?xml version="1.0" encoding="utf-8"?>
+<p:sld xmlns:a="http://schemas.openxmlformats.org/drawingml/2006/main" xmlns:r="http://schemas.openxmlformats.org/officeDocument/2006/relationships" xmlns:p="http://schemas.openxmlformats.org/presentationml/2006/main">
+  <p:cSld>
+    <p:spTree>
+      <p:nvGrpSpPr>
+        <p:cNvPr id="1" name="Shape 276"/>
+        <p:cNvGrpSpPr/>
+        <p:nvPr/>
+      </p:nvGrpSpPr>
+      <p:grpSpPr>
+        <a:xfrm>
+          <a:off x="0" y="0"/>
+          <a:ext cx="0" cy="0"/>
+          <a:chOff x="0" y="0"/>
+          <a:chExt cx="0" cy="0"/>
+        </a:xfrm>
+      </p:grpSpPr>
+      <p:sp>
+        <p:nvSpPr>
+          <p:cNvPr id="277" name="Google Shape;277;p13"/>
+          <p:cNvSpPr txBox="1">
+            <a:spLocks noGrp="1"/>
+          </p:cNvSpPr>
+          <p:nvPr>
+            <p:ph type="ctrTitle"/>
+          </p:nvPr>
+        </p:nvSpPr>
+        <p:spPr>
+          <a:xfrm>
+            <a:off x="213131" y="1456150"/>
+            <a:ext cx="8511483" cy="1466400"/>
+          </a:xfrm>
+          <a:prstGeom prst="rect">
+            <a:avLst/>
+          </a:prstGeom>
+        </p:spPr>
+        <p:txBody>
+          <a:bodyPr spcFirstLastPara="1" wrap="square" lIns="91425" tIns="91425" rIns="91425" bIns="91425" anchor="ctr" anchorCtr="0">
+            <a:normAutofit fontScale="90000"/>
+          </a:bodyPr>
+          <a:lstStyle/>
+          <a:p>
+            <a:pPr marL="0" lvl="0" indent="0" algn="l" rtl="0">
+              <a:spcBef>
+                <a:spcPts val="0"/>
+              </a:spcBef>
+              <a:spcAft>
+                <a:spcPts val="0"/>
+              </a:spcAft>
+              <a:buNone/>
+            </a:pPr>
+            <a:r>
+              <a:rPr lang="en" sz="10688" dirty="0"/>
+              <a:t>WHY Telegram</a:t>
+            </a:r>
+            <a:br>
+              <a:rPr lang="en" sz="10688" dirty="0"/>
+            </a:br>
+            <a:r>
+              <a:rPr lang="en" sz="10688" dirty="0"/>
+              <a:t>Based</a:t>
+            </a:r>
+            <a:r>
+              <a:rPr lang="en" sz="10650" dirty="0"/>
+              <a:t>?</a:t>
+            </a:r>
+            <a:endParaRPr sz="10650" dirty="0"/>
           </a:p>
         </p:txBody>
       </p:sp>

--- a/mooc/WHY_.pptx
+++ b/mooc/WHY_.pptx
@@ -5,30 +5,28 @@
     <p:sldMasterId id="2147483659" r:id="rId1"/>
   </p:sldMasterIdLst>
   <p:notesMasterIdLst>
-    <p:notesMasterId r:id="rId8"/>
+    <p:notesMasterId r:id="rId6"/>
   </p:notesMasterIdLst>
   <p:sldIdLst>
     <p:sldId id="257" r:id="rId2"/>
     <p:sldId id="256" r:id="rId3"/>
-    <p:sldId id="258" r:id="rId4"/>
-    <p:sldId id="259" r:id="rId5"/>
-    <p:sldId id="261" r:id="rId6"/>
-    <p:sldId id="260" r:id="rId7"/>
+    <p:sldId id="259" r:id="rId4"/>
+    <p:sldId id="258" r:id="rId5"/>
   </p:sldIdLst>
   <p:sldSz cx="9144000" cy="5143500" type="screen16x9"/>
   <p:notesSz cx="6858000" cy="9144000"/>
   <p:embeddedFontLst>
     <p:embeddedFont>
       <p:font typeface="Maven Pro" panose="020B0604020202020204" charset="0"/>
-      <p:regular r:id="rId9"/>
-      <p:bold r:id="rId10"/>
+      <p:regular r:id="rId7"/>
+      <p:bold r:id="rId8"/>
     </p:embeddedFont>
     <p:embeddedFont>
       <p:font typeface="Nunito" pitchFamily="2" charset="0"/>
-      <p:regular r:id="rId11"/>
-      <p:bold r:id="rId12"/>
-      <p:italic r:id="rId13"/>
-      <p:boldItalic r:id="rId14"/>
+      <p:regular r:id="rId9"/>
+      <p:bold r:id="rId10"/>
+      <p:italic r:id="rId11"/>
+      <p:boldItalic r:id="rId12"/>
     </p:embeddedFont>
   </p:embeddedFontLst>
   <p:defaultTextStyle>
@@ -933,6 +931,110 @@
   <p:cSld>
     <p:spTree>
       <p:nvGrpSpPr>
+        <p:cNvPr id="1" name="Shape 288"/>
+        <p:cNvGrpSpPr/>
+        <p:nvPr/>
+      </p:nvGrpSpPr>
+      <p:grpSpPr>
+        <a:xfrm>
+          <a:off x="0" y="0"/>
+          <a:ext cx="0" cy="0"/>
+          <a:chOff x="0" y="0"/>
+          <a:chExt cx="0" cy="0"/>
+        </a:xfrm>
+      </p:grpSpPr>
+      <p:sp>
+        <p:nvSpPr>
+          <p:cNvPr id="289" name="Google Shape;289;g2611666b7f6_0_468:notes"/>
+          <p:cNvSpPr>
+            <a:spLocks noGrp="1" noRot="1" noChangeAspect="1"/>
+          </p:cNvSpPr>
+          <p:nvPr>
+            <p:ph type="sldImg" idx="2"/>
+          </p:nvPr>
+        </p:nvSpPr>
+        <p:spPr>
+          <a:xfrm>
+            <a:off x="381000" y="685800"/>
+            <a:ext cx="6096000" cy="3429000"/>
+          </a:xfrm>
+          <a:custGeom>
+            <a:avLst/>
+            <a:gdLst/>
+            <a:ahLst/>
+            <a:cxnLst/>
+            <a:rect l="l" t="t" r="r" b="b"/>
+            <a:pathLst>
+              <a:path w="120000" h="120000" extrusionOk="0">
+                <a:moveTo>
+                  <a:pt x="0" y="0"/>
+                </a:moveTo>
+                <a:lnTo>
+                  <a:pt x="120000" y="0"/>
+                </a:lnTo>
+                <a:lnTo>
+                  <a:pt x="120000" y="120000"/>
+                </a:lnTo>
+                <a:lnTo>
+                  <a:pt x="0" y="120000"/>
+                </a:lnTo>
+                <a:close/>
+              </a:path>
+            </a:pathLst>
+          </a:custGeom>
+        </p:spPr>
+      </p:sp>
+      <p:sp>
+        <p:nvSpPr>
+          <p:cNvPr id="290" name="Google Shape;290;g2611666b7f6_0_468:notes"/>
+          <p:cNvSpPr txBox="1">
+            <a:spLocks noGrp="1"/>
+          </p:cNvSpPr>
+          <p:nvPr>
+            <p:ph type="body" idx="1"/>
+          </p:nvPr>
+        </p:nvSpPr>
+        <p:spPr>
+          <a:xfrm>
+            <a:off x="685800" y="4343400"/>
+            <a:ext cx="5486400" cy="4114800"/>
+          </a:xfrm>
+          <a:prstGeom prst="rect">
+            <a:avLst/>
+          </a:prstGeom>
+        </p:spPr>
+        <p:txBody>
+          <a:bodyPr spcFirstLastPara="1" wrap="square" lIns="91425" tIns="91425" rIns="91425" bIns="91425" anchor="t" anchorCtr="0">
+            <a:noAutofit/>
+          </a:bodyPr>
+          <a:lstStyle/>
+          <a:p>
+            <a:pPr marL="0" lvl="0" indent="0" algn="l" rtl="0">
+              <a:spcBef>
+                <a:spcPts val="0"/>
+              </a:spcBef>
+              <a:spcAft>
+                <a:spcPts val="0"/>
+              </a:spcAft>
+              <a:buNone/>
+            </a:pPr>
+            <a:endParaRPr/>
+          </a:p>
+        </p:txBody>
+      </p:sp>
+    </p:spTree>
+  </p:cSld>
+  <p:clrMapOvr>
+    <a:masterClrMapping/>
+  </p:clrMapOvr>
+</p:notes>
+</file>
+
+<file path=ppt/notesSlides/notesSlide4.xml><?xml version="1.0" encoding="utf-8"?>
+<p:notes xmlns:a="http://schemas.openxmlformats.org/drawingml/2006/main" xmlns:r="http://schemas.openxmlformats.org/officeDocument/2006/relationships" xmlns:p="http://schemas.openxmlformats.org/presentationml/2006/main" showMasterSp="0" showMasterPhAnim="0">
+  <p:cSld>
+    <p:spTree>
+      <p:nvGrpSpPr>
         <p:cNvPr id="1" name="Shape 283"/>
         <p:cNvGrpSpPr/>
         <p:nvPr/>
@@ -989,318 +1091,6 @@
       <p:sp>
         <p:nvSpPr>
           <p:cNvPr id="285" name="Google Shape;285;g2611666b7f6_0_463:notes"/>
-          <p:cNvSpPr txBox="1">
-            <a:spLocks noGrp="1"/>
-          </p:cNvSpPr>
-          <p:nvPr>
-            <p:ph type="body" idx="1"/>
-          </p:nvPr>
-        </p:nvSpPr>
-        <p:spPr>
-          <a:xfrm>
-            <a:off x="685800" y="4343400"/>
-            <a:ext cx="5486400" cy="4114800"/>
-          </a:xfrm>
-          <a:prstGeom prst="rect">
-            <a:avLst/>
-          </a:prstGeom>
-        </p:spPr>
-        <p:txBody>
-          <a:bodyPr spcFirstLastPara="1" wrap="square" lIns="91425" tIns="91425" rIns="91425" bIns="91425" anchor="t" anchorCtr="0">
-            <a:noAutofit/>
-          </a:bodyPr>
-          <a:lstStyle/>
-          <a:p>
-            <a:pPr marL="0" lvl="0" indent="0" algn="l" rtl="0">
-              <a:spcBef>
-                <a:spcPts val="0"/>
-              </a:spcBef>
-              <a:spcAft>
-                <a:spcPts val="0"/>
-              </a:spcAft>
-              <a:buNone/>
-            </a:pPr>
-            <a:endParaRPr/>
-          </a:p>
-        </p:txBody>
-      </p:sp>
-    </p:spTree>
-  </p:cSld>
-  <p:clrMapOvr>
-    <a:masterClrMapping/>
-  </p:clrMapOvr>
-</p:notes>
-</file>
-
-<file path=ppt/notesSlides/notesSlide4.xml><?xml version="1.0" encoding="utf-8"?>
-<p:notes xmlns:a="http://schemas.openxmlformats.org/drawingml/2006/main" xmlns:r="http://schemas.openxmlformats.org/officeDocument/2006/relationships" xmlns:p="http://schemas.openxmlformats.org/presentationml/2006/main" showMasterSp="0" showMasterPhAnim="0">
-  <p:cSld>
-    <p:spTree>
-      <p:nvGrpSpPr>
-        <p:cNvPr id="1" name="Shape 288"/>
-        <p:cNvGrpSpPr/>
-        <p:nvPr/>
-      </p:nvGrpSpPr>
-      <p:grpSpPr>
-        <a:xfrm>
-          <a:off x="0" y="0"/>
-          <a:ext cx="0" cy="0"/>
-          <a:chOff x="0" y="0"/>
-          <a:chExt cx="0" cy="0"/>
-        </a:xfrm>
-      </p:grpSpPr>
-      <p:sp>
-        <p:nvSpPr>
-          <p:cNvPr id="289" name="Google Shape;289;g2611666b7f6_0_468:notes"/>
-          <p:cNvSpPr>
-            <a:spLocks noGrp="1" noRot="1" noChangeAspect="1"/>
-          </p:cNvSpPr>
-          <p:nvPr>
-            <p:ph type="sldImg" idx="2"/>
-          </p:nvPr>
-        </p:nvSpPr>
-        <p:spPr>
-          <a:xfrm>
-            <a:off x="381300" y="685800"/>
-            <a:ext cx="6096000" cy="3429000"/>
-          </a:xfrm>
-          <a:custGeom>
-            <a:avLst/>
-            <a:gdLst/>
-            <a:ahLst/>
-            <a:cxnLst/>
-            <a:rect l="l" t="t" r="r" b="b"/>
-            <a:pathLst>
-              <a:path w="120000" h="120000" extrusionOk="0">
-                <a:moveTo>
-                  <a:pt x="0" y="0"/>
-                </a:moveTo>
-                <a:lnTo>
-                  <a:pt x="120000" y="0"/>
-                </a:lnTo>
-                <a:lnTo>
-                  <a:pt x="120000" y="120000"/>
-                </a:lnTo>
-                <a:lnTo>
-                  <a:pt x="0" y="120000"/>
-                </a:lnTo>
-                <a:close/>
-              </a:path>
-            </a:pathLst>
-          </a:custGeom>
-        </p:spPr>
-      </p:sp>
-      <p:sp>
-        <p:nvSpPr>
-          <p:cNvPr id="290" name="Google Shape;290;g2611666b7f6_0_468:notes"/>
-          <p:cNvSpPr txBox="1">
-            <a:spLocks noGrp="1"/>
-          </p:cNvSpPr>
-          <p:nvPr>
-            <p:ph type="body" idx="1"/>
-          </p:nvPr>
-        </p:nvSpPr>
-        <p:spPr>
-          <a:xfrm>
-            <a:off x="685800" y="4343400"/>
-            <a:ext cx="5486400" cy="4114800"/>
-          </a:xfrm>
-          <a:prstGeom prst="rect">
-            <a:avLst/>
-          </a:prstGeom>
-        </p:spPr>
-        <p:txBody>
-          <a:bodyPr spcFirstLastPara="1" wrap="square" lIns="91425" tIns="91425" rIns="91425" bIns="91425" anchor="t" anchorCtr="0">
-            <a:noAutofit/>
-          </a:bodyPr>
-          <a:lstStyle/>
-          <a:p>
-            <a:pPr marL="0" lvl="0" indent="0" algn="l" rtl="0">
-              <a:spcBef>
-                <a:spcPts val="0"/>
-              </a:spcBef>
-              <a:spcAft>
-                <a:spcPts val="0"/>
-              </a:spcAft>
-              <a:buNone/>
-            </a:pPr>
-            <a:endParaRPr/>
-          </a:p>
-        </p:txBody>
-      </p:sp>
-    </p:spTree>
-  </p:cSld>
-  <p:clrMapOvr>
-    <a:masterClrMapping/>
-  </p:clrMapOvr>
-</p:notes>
-</file>
-
-<file path=ppt/notesSlides/notesSlide5.xml><?xml version="1.0" encoding="utf-8"?>
-<p:notes xmlns:a="http://schemas.openxmlformats.org/drawingml/2006/main" xmlns:r="http://schemas.openxmlformats.org/officeDocument/2006/relationships" xmlns:p="http://schemas.openxmlformats.org/presentationml/2006/main" showMasterSp="0" showMasterPhAnim="0">
-  <p:cSld>
-    <p:spTree>
-      <p:nvGrpSpPr>
-        <p:cNvPr id="1" name="Shape 298"/>
-        <p:cNvGrpSpPr/>
-        <p:nvPr/>
-      </p:nvGrpSpPr>
-      <p:grpSpPr>
-        <a:xfrm>
-          <a:off x="0" y="0"/>
-          <a:ext cx="0" cy="0"/>
-          <a:chOff x="0" y="0"/>
-          <a:chExt cx="0" cy="0"/>
-        </a:xfrm>
-      </p:grpSpPr>
-      <p:sp>
-        <p:nvSpPr>
-          <p:cNvPr id="299" name="Google Shape;299;g2611666b7f6_0_478:notes"/>
-          <p:cNvSpPr>
-            <a:spLocks noGrp="1" noRot="1" noChangeAspect="1"/>
-          </p:cNvSpPr>
-          <p:nvPr>
-            <p:ph type="sldImg" idx="2"/>
-          </p:nvPr>
-        </p:nvSpPr>
-        <p:spPr>
-          <a:xfrm>
-            <a:off x="381000" y="685800"/>
-            <a:ext cx="6096000" cy="3429000"/>
-          </a:xfrm>
-          <a:custGeom>
-            <a:avLst/>
-            <a:gdLst/>
-            <a:ahLst/>
-            <a:cxnLst/>
-            <a:rect l="l" t="t" r="r" b="b"/>
-            <a:pathLst>
-              <a:path w="120000" h="120000" extrusionOk="0">
-                <a:moveTo>
-                  <a:pt x="0" y="0"/>
-                </a:moveTo>
-                <a:lnTo>
-                  <a:pt x="120000" y="0"/>
-                </a:lnTo>
-                <a:lnTo>
-                  <a:pt x="120000" y="120000"/>
-                </a:lnTo>
-                <a:lnTo>
-                  <a:pt x="0" y="120000"/>
-                </a:lnTo>
-                <a:close/>
-              </a:path>
-            </a:pathLst>
-          </a:custGeom>
-        </p:spPr>
-      </p:sp>
-      <p:sp>
-        <p:nvSpPr>
-          <p:cNvPr id="300" name="Google Shape;300;g2611666b7f6_0_478:notes"/>
-          <p:cNvSpPr txBox="1">
-            <a:spLocks noGrp="1"/>
-          </p:cNvSpPr>
-          <p:nvPr>
-            <p:ph type="body" idx="1"/>
-          </p:nvPr>
-        </p:nvSpPr>
-        <p:spPr>
-          <a:xfrm>
-            <a:off x="685800" y="4343400"/>
-            <a:ext cx="5486400" cy="4114800"/>
-          </a:xfrm>
-          <a:prstGeom prst="rect">
-            <a:avLst/>
-          </a:prstGeom>
-        </p:spPr>
-        <p:txBody>
-          <a:bodyPr spcFirstLastPara="1" wrap="square" lIns="91425" tIns="91425" rIns="91425" bIns="91425" anchor="t" anchorCtr="0">
-            <a:noAutofit/>
-          </a:bodyPr>
-          <a:lstStyle/>
-          <a:p>
-            <a:pPr marL="0" lvl="0" indent="0" algn="l" rtl="0">
-              <a:spcBef>
-                <a:spcPts val="0"/>
-              </a:spcBef>
-              <a:spcAft>
-                <a:spcPts val="0"/>
-              </a:spcAft>
-              <a:buNone/>
-            </a:pPr>
-            <a:endParaRPr/>
-          </a:p>
-        </p:txBody>
-      </p:sp>
-    </p:spTree>
-  </p:cSld>
-  <p:clrMapOvr>
-    <a:masterClrMapping/>
-  </p:clrMapOvr>
-</p:notes>
-</file>
-
-<file path=ppt/notesSlides/notesSlide6.xml><?xml version="1.0" encoding="utf-8"?>
-<p:notes xmlns:a="http://schemas.openxmlformats.org/drawingml/2006/main" xmlns:r="http://schemas.openxmlformats.org/officeDocument/2006/relationships" xmlns:p="http://schemas.openxmlformats.org/presentationml/2006/main" showMasterSp="0" showMasterPhAnim="0">
-  <p:cSld>
-    <p:spTree>
-      <p:nvGrpSpPr>
-        <p:cNvPr id="1" name="Shape 293"/>
-        <p:cNvGrpSpPr/>
-        <p:nvPr/>
-      </p:nvGrpSpPr>
-      <p:grpSpPr>
-        <a:xfrm>
-          <a:off x="0" y="0"/>
-          <a:ext cx="0" cy="0"/>
-          <a:chOff x="0" y="0"/>
-          <a:chExt cx="0" cy="0"/>
-        </a:xfrm>
-      </p:grpSpPr>
-      <p:sp>
-        <p:nvSpPr>
-          <p:cNvPr id="294" name="Google Shape;294;g2611666b7f6_0_473:notes"/>
-          <p:cNvSpPr>
-            <a:spLocks noGrp="1" noRot="1" noChangeAspect="1"/>
-          </p:cNvSpPr>
-          <p:nvPr>
-            <p:ph type="sldImg" idx="2"/>
-          </p:nvPr>
-        </p:nvSpPr>
-        <p:spPr>
-          <a:xfrm>
-            <a:off x="381300" y="685800"/>
-            <a:ext cx="6096000" cy="3429000"/>
-          </a:xfrm>
-          <a:custGeom>
-            <a:avLst/>
-            <a:gdLst/>
-            <a:ahLst/>
-            <a:cxnLst/>
-            <a:rect l="l" t="t" r="r" b="b"/>
-            <a:pathLst>
-              <a:path w="120000" h="120000" extrusionOk="0">
-                <a:moveTo>
-                  <a:pt x="0" y="0"/>
-                </a:moveTo>
-                <a:lnTo>
-                  <a:pt x="120000" y="0"/>
-                </a:lnTo>
-                <a:lnTo>
-                  <a:pt x="120000" y="120000"/>
-                </a:lnTo>
-                <a:lnTo>
-                  <a:pt x="0" y="120000"/>
-                </a:lnTo>
-                <a:close/>
-              </a:path>
-            </a:pathLst>
-          </a:custGeom>
-        </p:spPr>
-      </p:sp>
-      <p:sp>
-        <p:nvSpPr>
-          <p:cNvPr id="295" name="Google Shape;295;g2611666b7f6_0_473:notes"/>
           <p:cNvSpPr txBox="1">
             <a:spLocks noGrp="1"/>
           </p:cNvSpPr>
@@ -15359,6 +15149,73 @@
   <p:cSld>
     <p:spTree>
       <p:nvGrpSpPr>
+        <p:cNvPr id="1" name="Shape 291"/>
+        <p:cNvGrpSpPr/>
+        <p:nvPr/>
+      </p:nvGrpSpPr>
+      <p:grpSpPr>
+        <a:xfrm>
+          <a:off x="0" y="0"/>
+          <a:ext cx="0" cy="0"/>
+          <a:chOff x="0" y="0"/>
+          <a:chExt cx="0" cy="0"/>
+        </a:xfrm>
+      </p:grpSpPr>
+      <p:sp>
+        <p:nvSpPr>
+          <p:cNvPr id="292" name="Google Shape;292;p16"/>
+          <p:cNvSpPr txBox="1">
+            <a:spLocks noGrp="1"/>
+          </p:cNvSpPr>
+          <p:nvPr>
+            <p:ph type="title"/>
+          </p:nvPr>
+        </p:nvSpPr>
+        <p:spPr>
+          <a:xfrm>
+            <a:off x="2205900" y="1655475"/>
+            <a:ext cx="4732200" cy="1456500"/>
+          </a:xfrm>
+          <a:prstGeom prst="rect">
+            <a:avLst/>
+          </a:prstGeom>
+        </p:spPr>
+        <p:txBody>
+          <a:bodyPr spcFirstLastPara="1" wrap="square" lIns="91425" tIns="91425" rIns="91425" bIns="91425" anchor="t" anchorCtr="0">
+            <a:normAutofit fontScale="90000"/>
+          </a:bodyPr>
+          <a:lstStyle/>
+          <a:p>
+            <a:pPr marL="0" lvl="0" indent="0" algn="l" rtl="0">
+              <a:spcBef>
+                <a:spcPts val="0"/>
+              </a:spcBef>
+              <a:spcAft>
+                <a:spcPts val="0"/>
+              </a:spcAft>
+              <a:buNone/>
+            </a:pPr>
+            <a:r>
+              <a:rPr lang="en" sz="9600"/>
+              <a:t>Working</a:t>
+            </a:r>
+            <a:endParaRPr/>
+          </a:p>
+        </p:txBody>
+      </p:sp>
+    </p:spTree>
+  </p:cSld>
+  <p:clrMapOvr>
+    <a:masterClrMapping/>
+  </p:clrMapOvr>
+</p:sld>
+</file>
+
+<file path=ppt/slides/slide4.xml><?xml version="1.0" encoding="utf-8"?>
+<p:sld xmlns:a="http://schemas.openxmlformats.org/drawingml/2006/main" xmlns:r="http://schemas.openxmlformats.org/officeDocument/2006/relationships" xmlns:p="http://schemas.openxmlformats.org/presentationml/2006/main">
+  <p:cSld>
+    <p:spTree>
+      <p:nvGrpSpPr>
         <p:cNvPr id="1" name="Shape 286"/>
         <p:cNvGrpSpPr/>
         <p:nvPr/>
@@ -15409,248 +15266,14 @@
               <a:rPr lang="en" sz="9600" dirty="0"/>
               <a:t>Technologies</a:t>
             </a:r>
+            <a:br>
+              <a:rPr lang="en" sz="9600" dirty="0"/>
+            </a:br>
+            <a:r>
+              <a:rPr lang="en" sz="9600" dirty="0"/>
+              <a:t>&amp; Program</a:t>
+            </a:r>
             <a:endParaRPr sz="9600" dirty="0"/>
-          </a:p>
-        </p:txBody>
-      </p:sp>
-    </p:spTree>
-  </p:cSld>
-  <p:clrMapOvr>
-    <a:masterClrMapping/>
-  </p:clrMapOvr>
-</p:sld>
-</file>
-
-<file path=ppt/slides/slide4.xml><?xml version="1.0" encoding="utf-8"?>
-<p:sld xmlns:a="http://schemas.openxmlformats.org/drawingml/2006/main" xmlns:r="http://schemas.openxmlformats.org/officeDocument/2006/relationships" xmlns:p="http://schemas.openxmlformats.org/presentationml/2006/main">
-  <p:cSld>
-    <p:spTree>
-      <p:nvGrpSpPr>
-        <p:cNvPr id="1" name="Shape 291"/>
-        <p:cNvGrpSpPr/>
-        <p:nvPr/>
-      </p:nvGrpSpPr>
-      <p:grpSpPr>
-        <a:xfrm>
-          <a:off x="0" y="0"/>
-          <a:ext cx="0" cy="0"/>
-          <a:chOff x="0" y="0"/>
-          <a:chExt cx="0" cy="0"/>
-        </a:xfrm>
-      </p:grpSpPr>
-      <p:sp>
-        <p:nvSpPr>
-          <p:cNvPr id="292" name="Google Shape;292;p16"/>
-          <p:cNvSpPr txBox="1">
-            <a:spLocks noGrp="1"/>
-          </p:cNvSpPr>
-          <p:nvPr>
-            <p:ph type="title"/>
-          </p:nvPr>
-        </p:nvSpPr>
-        <p:spPr>
-          <a:xfrm>
-            <a:off x="2205900" y="1655475"/>
-            <a:ext cx="4732200" cy="1456500"/>
-          </a:xfrm>
-          <a:prstGeom prst="rect">
-            <a:avLst/>
-          </a:prstGeom>
-        </p:spPr>
-        <p:txBody>
-          <a:bodyPr spcFirstLastPara="1" wrap="square" lIns="91425" tIns="91425" rIns="91425" bIns="91425" anchor="t" anchorCtr="0">
-            <a:normAutofit fontScale="90000"/>
-          </a:bodyPr>
-          <a:lstStyle/>
-          <a:p>
-            <a:pPr marL="0" lvl="0" indent="0" algn="l" rtl="0">
-              <a:spcBef>
-                <a:spcPts val="0"/>
-              </a:spcBef>
-              <a:spcAft>
-                <a:spcPts val="0"/>
-              </a:spcAft>
-              <a:buNone/>
-            </a:pPr>
-            <a:r>
-              <a:rPr lang="en" sz="9600"/>
-              <a:t>Working</a:t>
-            </a:r>
-            <a:endParaRPr/>
-          </a:p>
-        </p:txBody>
-      </p:sp>
-    </p:spTree>
-  </p:cSld>
-  <p:clrMapOvr>
-    <a:masterClrMapping/>
-  </p:clrMapOvr>
-</p:sld>
-</file>
-
-<file path=ppt/slides/slide5.xml><?xml version="1.0" encoding="utf-8"?>
-<p:sld xmlns:a="http://schemas.openxmlformats.org/drawingml/2006/main" xmlns:r="http://schemas.openxmlformats.org/officeDocument/2006/relationships" xmlns:p="http://schemas.openxmlformats.org/presentationml/2006/main">
-  <p:cSld>
-    <p:spTree>
-      <p:nvGrpSpPr>
-        <p:cNvPr id="1" name="Shape 301"/>
-        <p:cNvGrpSpPr/>
-        <p:nvPr/>
-      </p:nvGrpSpPr>
-      <p:grpSpPr>
-        <a:xfrm>
-          <a:off x="0" y="0"/>
-          <a:ext cx="0" cy="0"/>
-          <a:chOff x="0" y="0"/>
-          <a:chExt cx="0" cy="0"/>
-        </a:xfrm>
-      </p:grpSpPr>
-      <p:sp>
-        <p:nvSpPr>
-          <p:cNvPr id="302" name="Google Shape;302;p18"/>
-          <p:cNvSpPr txBox="1">
-            <a:spLocks noGrp="1"/>
-          </p:cNvSpPr>
-          <p:nvPr>
-            <p:ph type="title"/>
-          </p:nvPr>
-        </p:nvSpPr>
-        <p:spPr>
-          <a:xfrm>
-            <a:off x="0" y="1620450"/>
-            <a:ext cx="9144000" cy="1902600"/>
-          </a:xfrm>
-          <a:prstGeom prst="rect">
-            <a:avLst/>
-          </a:prstGeom>
-        </p:spPr>
-        <p:txBody>
-          <a:bodyPr spcFirstLastPara="1" wrap="square" lIns="91425" tIns="91425" rIns="91425" bIns="91425" anchor="t" anchorCtr="0">
-            <a:noAutofit/>
-          </a:bodyPr>
-          <a:lstStyle/>
-          <a:p>
-            <a:pPr marL="0" lvl="0" indent="0" algn="l" rtl="0">
-              <a:spcBef>
-                <a:spcPts val="0"/>
-              </a:spcBef>
-              <a:spcAft>
-                <a:spcPts val="0"/>
-              </a:spcAft>
-              <a:buNone/>
-            </a:pPr>
-            <a:r>
-              <a:rPr lang="en" sz="4800"/>
-              <a:t>Natural Language Processing</a:t>
-            </a:r>
-            <a:endParaRPr sz="4800"/>
-          </a:p>
-          <a:p>
-            <a:pPr marL="0" lvl="0" indent="0" algn="l" rtl="0">
-              <a:spcBef>
-                <a:spcPts val="0"/>
-              </a:spcBef>
-              <a:spcAft>
-                <a:spcPts val="0"/>
-              </a:spcAft>
-              <a:buNone/>
-            </a:pPr>
-            <a:r>
-              <a:rPr lang="en" sz="4800"/>
-              <a:t>							(NLP)</a:t>
-            </a:r>
-            <a:endParaRPr sz="4800"/>
-          </a:p>
-          <a:p>
-            <a:pPr marL="0" lvl="0" indent="0" algn="l" rtl="0">
-              <a:spcBef>
-                <a:spcPts val="0"/>
-              </a:spcBef>
-              <a:spcAft>
-                <a:spcPts val="0"/>
-              </a:spcAft>
-              <a:buNone/>
-            </a:pPr>
-            <a:endParaRPr sz="4800"/>
-          </a:p>
-        </p:txBody>
-      </p:sp>
-    </p:spTree>
-  </p:cSld>
-  <p:clrMapOvr>
-    <a:masterClrMapping/>
-  </p:clrMapOvr>
-</p:sld>
-</file>
-
-<file path=ppt/slides/slide6.xml><?xml version="1.0" encoding="utf-8"?>
-<p:sld xmlns:a="http://schemas.openxmlformats.org/drawingml/2006/main" xmlns:r="http://schemas.openxmlformats.org/officeDocument/2006/relationships" xmlns:p="http://schemas.openxmlformats.org/presentationml/2006/main">
-  <p:cSld>
-    <p:spTree>
-      <p:nvGrpSpPr>
-        <p:cNvPr id="1" name="Shape 296"/>
-        <p:cNvGrpSpPr/>
-        <p:nvPr/>
-      </p:nvGrpSpPr>
-      <p:grpSpPr>
-        <a:xfrm>
-          <a:off x="0" y="0"/>
-          <a:ext cx="0" cy="0"/>
-          <a:chOff x="0" y="0"/>
-          <a:chExt cx="0" cy="0"/>
-        </a:xfrm>
-      </p:grpSpPr>
-      <p:sp>
-        <p:nvSpPr>
-          <p:cNvPr id="297" name="Google Shape;297;p17"/>
-          <p:cNvSpPr txBox="1">
-            <a:spLocks noGrp="1"/>
-          </p:cNvSpPr>
-          <p:nvPr>
-            <p:ph type="title"/>
-          </p:nvPr>
-        </p:nvSpPr>
-        <p:spPr>
-          <a:xfrm>
-            <a:off x="2141250" y="1725900"/>
-            <a:ext cx="4861500" cy="1374300"/>
-          </a:xfrm>
-          <a:prstGeom prst="rect">
-            <a:avLst/>
-          </a:prstGeom>
-        </p:spPr>
-        <p:txBody>
-          <a:bodyPr spcFirstLastPara="1" wrap="square" lIns="91425" tIns="91425" rIns="91425" bIns="91425" anchor="t" anchorCtr="0">
-            <a:normAutofit fontScale="90000"/>
-          </a:bodyPr>
-          <a:lstStyle/>
-          <a:p>
-            <a:pPr marL="0" lvl="0" indent="0" algn="l" rtl="0">
-              <a:spcBef>
-                <a:spcPts val="0"/>
-              </a:spcBef>
-              <a:spcAft>
-                <a:spcPts val="0"/>
-              </a:spcAft>
-              <a:buNone/>
-            </a:pPr>
-            <a:r>
-              <a:rPr lang="en" sz="9600"/>
-              <a:t>Program</a:t>
-            </a:r>
-            <a:endParaRPr sz="9600"/>
-          </a:p>
-          <a:p>
-            <a:pPr marL="0" lvl="0" indent="0" algn="l" rtl="0">
-              <a:spcBef>
-                <a:spcPts val="0"/>
-              </a:spcBef>
-              <a:spcAft>
-                <a:spcPts val="0"/>
-              </a:spcAft>
-              <a:buNone/>
-            </a:pPr>
-            <a:endParaRPr/>
           </a:p>
         </p:txBody>
       </p:sp>
